--- a/01. Front-End Web/01. Presentations/PPT/02. Images and Forms.pptx
+++ b/01. Front-End Web/01. Presentations/PPT/02. Images and Forms.pptx
@@ -119,7 +119,7 @@
   </p:defaultTextStyle>
   <p:extLst>
     <p:ext uri="{EFAFB233-063F-42B5-8137-9DF3F51BA10A}">
-      <p15:sldGuideLst xmlns:p15="http://schemas.microsoft.com/office/powerpoint/2012/main" xmlns=""/>
+      <p15:sldGuideLst xmlns="" xmlns:p15="http://schemas.microsoft.com/office/powerpoint/2012/main"/>
     </p:ext>
   </p:extLst>
 </p:presentation>
@@ -207,7 +207,7 @@
           <a:p>
             <a:fld id="{8365AC51-C568-4371-A28D-D14CF2BCF8BA}" type="datetimeFigureOut">
               <a:rPr lang="en-US" smtClean="0"/>
-              <a:t>6/26/2024</a:t>
+              <a:t>6/27/2024</a:t>
             </a:fld>
             <a:endParaRPr lang="en-US" dirty="0"/>
           </a:p>
@@ -1031,7 +1031,7 @@
           <p:cNvPr id="7" name="Footer Placeholder 4">
             <a:extLst>
               <a:ext uri="{FF2B5EF4-FFF2-40B4-BE49-F238E27FC236}">
-                <a16:creationId xmlns:a16="http://schemas.microsoft.com/office/drawing/2014/main" xmlns="" id="{D057E4A9-8BC1-4D03-B0CD-00353C3D487D}"/>
+                <a16:creationId xmlns="" xmlns:a16="http://schemas.microsoft.com/office/drawing/2014/main" id="{D057E4A9-8BC1-4D03-B0CD-00353C3D487D}"/>
               </a:ext>
             </a:extLst>
           </p:cNvPr>
@@ -4005,7 +4005,6 @@
               <a:rPr lang="en-US" sz="4000" b="1" dirty="0" smtClean="0"/>
               <a:t>Forms – Text Area</a:t>
             </a:r>
-            <a:endParaRPr lang="en-US" sz="4000" b="1" dirty="0" smtClean="0"/>
           </a:p>
           <a:p>
             <a:endParaRPr lang="en-US" sz="4000" b="1" dirty="0" smtClean="0"/>
@@ -4103,7 +4102,6 @@
               <a:rPr lang="en-US" sz="4000" b="1" dirty="0" smtClean="0"/>
               <a:t>Forms – Text Area (Attributes)</a:t>
             </a:r>
-            <a:endParaRPr lang="en-US" sz="4000" b="1" dirty="0" smtClean="0"/>
           </a:p>
           <a:p>
             <a:endParaRPr lang="en-US" sz="4000" b="1" dirty="0" smtClean="0"/>
@@ -4117,7 +4115,6 @@
               <a:rPr lang="en-US" sz="4000" dirty="0" smtClean="0"/>
               <a:t>– sets the height and width</a:t>
             </a:r>
-            <a:endParaRPr lang="en-US" sz="4000" dirty="0" smtClean="0"/>
           </a:p>
         </p:txBody>
       </p:sp>
@@ -4184,7 +4181,6 @@
               <a:rPr lang="en-US" sz="4000" b="1" dirty="0" smtClean="0"/>
               <a:t>Images</a:t>
             </a:r>
-            <a:endParaRPr lang="en-US" sz="4000" b="1" dirty="0" smtClean="0"/>
           </a:p>
           <a:p>
             <a:endParaRPr lang="en-US" sz="3200" dirty="0" smtClean="0"/>
@@ -4196,13 +4192,8 @@
             </a:r>
             <a:r>
               <a:rPr lang="en-US" sz="3200" dirty="0" smtClean="0"/>
-              <a:t>- </a:t>
-            </a:r>
-            <a:r>
-              <a:rPr lang="en-US" sz="3200" dirty="0" smtClean="0"/>
-              <a:t>enhances web content and enhance user engagement</a:t>
-            </a:r>
-            <a:endParaRPr lang="en-US" sz="3200" dirty="0" smtClean="0"/>
+              <a:t>- enhances web content and enhance user engagement</a:t>
+            </a:r>
           </a:p>
         </p:txBody>
       </p:sp>
@@ -4269,7 +4260,6 @@
               <a:rPr lang="en-US" sz="4000" b="1" dirty="0" smtClean="0"/>
               <a:t>Basic Tags - Images</a:t>
             </a:r>
-            <a:endParaRPr lang="en-US" sz="4000" b="1" dirty="0" smtClean="0"/>
           </a:p>
           <a:p>
             <a:endParaRPr lang="en-US" sz="4000" b="1" dirty="0"/>
@@ -4387,7 +4377,6 @@
               <a:rPr lang="en-US" sz="4000" b="1" dirty="0" smtClean="0"/>
               <a:t>Basic Tags - Forms</a:t>
             </a:r>
-            <a:endParaRPr lang="en-US" sz="4000" b="1" dirty="0" smtClean="0"/>
           </a:p>
           <a:p>
             <a:endParaRPr lang="en-US" sz="4000" b="1" dirty="0"/>
@@ -4395,15 +4384,7 @@
           <a:p>
             <a:r>
               <a:rPr lang="en-US" sz="3200" b="1" dirty="0" smtClean="0"/>
-              <a:t>&lt;</a:t>
-            </a:r>
-            <a:r>
-              <a:rPr lang="en-US" sz="3200" b="1" dirty="0" smtClean="0"/>
-              <a:t>form</a:t>
-            </a:r>
-            <a:r>
-              <a:rPr lang="en-US" sz="3200" b="1" dirty="0" smtClean="0"/>
-              <a:t>&gt; </a:t>
+              <a:t>&lt;form&gt; </a:t>
             </a:r>
             <a:r>
               <a:rPr lang="en-US" sz="3200" dirty="0" smtClean="0"/>
@@ -4458,7 +4439,7 @@
         <p:spPr>
           <a:xfrm>
             <a:off x="417576" y="286725"/>
-            <a:ext cx="11430000" cy="5755422"/>
+            <a:ext cx="11430000" cy="6017032"/>
           </a:xfrm>
           <a:prstGeom prst="rect">
             <a:avLst/>
@@ -4475,10 +4456,9 @@
               <a:rPr lang="en-US" sz="4000" b="1" dirty="0" smtClean="0"/>
               <a:t>Forms - Input</a:t>
             </a:r>
-            <a:endParaRPr lang="en-US" sz="4000" b="1" dirty="0" smtClean="0"/>
-          </a:p>
-          <a:p>
-            <a:endParaRPr lang="en-US" sz="4000" b="1" dirty="0"/>
+          </a:p>
+          <a:p>
+            <a:endParaRPr lang="en-US" sz="1500" b="1" dirty="0"/>
           </a:p>
           <a:p>
             <a:r>
@@ -4593,7 +4573,30 @@
           <a:p>
             <a:r>
               <a:rPr lang="en-US" sz="3200" b="1" dirty="0"/>
-              <a:t>&lt;input type="date"&gt; </a:t>
+              <a:t>&lt;input type</a:t>
+            </a:r>
+            <a:r>
+              <a:rPr lang="en-US" sz="3200" b="1" dirty="0" smtClean="0"/>
+              <a:t>=“color"&gt; </a:t>
+            </a:r>
+            <a:r>
+              <a:rPr lang="en-US" sz="3200" dirty="0"/>
+              <a:t>			- to allow users to </a:t>
+            </a:r>
+            <a:r>
+              <a:rPr lang="en-US" sz="3200" dirty="0" smtClean="0"/>
+              <a:t>select color</a:t>
+            </a:r>
+            <a:endParaRPr lang="en-US" sz="3200" dirty="0"/>
+          </a:p>
+          <a:p>
+            <a:r>
+              <a:rPr lang="en-US" sz="3200" b="1" dirty="0" smtClean="0"/>
+              <a:t>&lt;</a:t>
+            </a:r>
+            <a:r>
+              <a:rPr lang="en-US" sz="3200" b="1" dirty="0"/>
+              <a:t>input type="date"&gt; </a:t>
             </a:r>
             <a:r>
               <a:rPr lang="en-US" sz="3200" dirty="0" smtClean="0"/>
@@ -4651,7 +4654,7 @@
               <a:rPr lang="en-US" sz="3200" dirty="0" err="1" smtClean="0"/>
               <a:t>url</a:t>
             </a:r>
-            <a:endParaRPr lang="en-US" sz="3200" dirty="0"/>
+            <a:endParaRPr lang="en-US" sz="3200" dirty="0" smtClean="0"/>
           </a:p>
         </p:txBody>
       </p:sp>
@@ -4718,7 +4721,6 @@
               <a:rPr lang="en-US" sz="4000" b="1" dirty="0" smtClean="0"/>
               <a:t>Forms – Input (Attributes)</a:t>
             </a:r>
-            <a:endParaRPr lang="en-US" sz="4000" b="1" dirty="0" smtClean="0"/>
           </a:p>
           <a:p>
             <a:endParaRPr lang="en-US" sz="4000" b="1" dirty="0"/>
@@ -4818,7 +4820,6 @@
               <a:rPr lang="en-US" sz="4000" b="1" dirty="0" smtClean="0"/>
               <a:t>Forms – Input (Data Handling &amp; Validation)</a:t>
             </a:r>
-            <a:endParaRPr lang="en-US" sz="4000" b="1" dirty="0" smtClean="0"/>
           </a:p>
           <a:p>
             <a:endParaRPr lang="en-US" sz="4000" b="1" dirty="0"/>
@@ -4918,7 +4919,6 @@
               <a:rPr lang="en-US" sz="4000" b="1" dirty="0" smtClean="0"/>
               <a:t>Forms - Dropdown</a:t>
             </a:r>
-            <a:endParaRPr lang="en-US" sz="4000" b="1" dirty="0" smtClean="0"/>
           </a:p>
           <a:p>
             <a:endParaRPr lang="en-US" sz="4000" b="1" dirty="0" smtClean="0"/>
@@ -5042,7 +5042,6 @@
               <a:rPr lang="en-US" sz="4000" b="1" dirty="0" smtClean="0"/>
               <a:t>Forms – Dropdown (attributes)</a:t>
             </a:r>
-            <a:endParaRPr lang="en-US" sz="4000" b="1" dirty="0" smtClean="0"/>
           </a:p>
           <a:p>
             <a:endParaRPr lang="en-US" sz="4000" b="1" dirty="0" smtClean="0"/>
@@ -5650,7 +5649,7 @@
   <a:extraClrSchemeLst/>
   <a:extLst>
     <a:ext uri="{05A4C25C-085E-4340-85A3-A5531E510DB2}">
-      <thm15:themeFamily xmlns:thm15="http://schemas.microsoft.com/office/thememl/2012/main" xmlns="" name="Office Theme" id="{62F939B6-93AF-4DB8-9C6B-D6C7DFDC589F}" vid="{4A3C46E8-61CC-4603-A589-7422A47A8E4A}"/>
+      <thm15:themeFamily xmlns="" xmlns:thm15="http://schemas.microsoft.com/office/thememl/2012/main" name="Office Theme" id="{62F939B6-93AF-4DB8-9C6B-D6C7DFDC589F}" vid="{4A3C46E8-61CC-4603-A589-7422A47A8E4A}"/>
     </a:ext>
   </a:extLst>
 </a:theme>
